--- a/Slides/Unit3_Fundamentals_of_Classes.pptx
+++ b/Slides/Unit3_Fundamentals_of_Classes.pptx
@@ -5,24 +5,25 @@
     <p:sldMasterId id="2147483648" r:id="rId1"/>
   </p:sldMasterIdLst>
   <p:sldIdLst>
-    <p:sldId id="256" r:id="rId7"/>
-    <p:sldId id="257" r:id="rId8"/>
-    <p:sldId id="258" r:id="rId9"/>
-    <p:sldId id="259" r:id="rId10"/>
-    <p:sldId id="260" r:id="rId11"/>
-    <p:sldId id="261" r:id="rId12"/>
-    <p:sldId id="262" r:id="rId13"/>
-    <p:sldId id="263" r:id="rId14"/>
-    <p:sldId id="264" r:id="rId15"/>
-    <p:sldId id="265" r:id="rId16"/>
-    <p:sldId id="266" r:id="rId17"/>
-    <p:sldId id="267" r:id="rId18"/>
-    <p:sldId id="268" r:id="rId19"/>
-    <p:sldId id="269" r:id="rId20"/>
-    <p:sldId id="270" r:id="rId21"/>
-    <p:sldId id="271" r:id="rId22"/>
-    <p:sldId id="272" r:id="rId23"/>
-    <p:sldId id="273" r:id="rId24"/>
+    <p:sldId id="256" r:id="rId2"/>
+    <p:sldId id="274" r:id="rId3"/>
+    <p:sldId id="257" r:id="rId4"/>
+    <p:sldId id="258" r:id="rId5"/>
+    <p:sldId id="259" r:id="rId6"/>
+    <p:sldId id="260" r:id="rId7"/>
+    <p:sldId id="261" r:id="rId8"/>
+    <p:sldId id="262" r:id="rId9"/>
+    <p:sldId id="263" r:id="rId10"/>
+    <p:sldId id="264" r:id="rId11"/>
+    <p:sldId id="265" r:id="rId12"/>
+    <p:sldId id="266" r:id="rId13"/>
+    <p:sldId id="267" r:id="rId14"/>
+    <p:sldId id="268" r:id="rId15"/>
+    <p:sldId id="269" r:id="rId16"/>
+    <p:sldId id="270" r:id="rId17"/>
+    <p:sldId id="271" r:id="rId18"/>
+    <p:sldId id="272" r:id="rId19"/>
+    <p:sldId id="273" r:id="rId20"/>
   </p:sldIdLst>
   <p:sldSz cx="9144000" cy="6858000" type="screen4x3"/>
   <p:notesSz cx="6858000" cy="9144000"/>
@@ -121,6 +122,22 @@
       </a:defRPr>
     </a:lvl9pPr>
   </p:defaultTextStyle>
+  <p:extLst>
+    <p:ext uri="{EFAFB233-063F-42B5-8137-9DF3F51BA10A}">
+      <p15:sldGuideLst xmlns:p15="http://schemas.microsoft.com/office/powerpoint/2012/main">
+        <p15:guide id="1" orient="horz" pos="2160">
+          <p15:clr>
+            <a:srgbClr val="A4A3A4"/>
+          </p15:clr>
+        </p15:guide>
+        <p15:guide id="2" pos="2880">
+          <p15:clr>
+            <a:srgbClr val="A4A3A4"/>
+          </p15:clr>
+        </p15:guide>
+      </p15:sldGuideLst>
+    </p:ext>
+  </p:extLst>
 </p:presentation>
 </file>
 
@@ -305,7 +322,7 @@
           <a:p>
             <a:fld id="{5BCAD085-E8A6-8845-BD4E-CB4CCA059FC4}" type="datetimeFigureOut">
               <a:rPr lang="en-US" smtClean="0"/>
-              <a:t>1/27/13</a:t>
+              <a:t>11/27/2025</a:t>
             </a:fld>
             <a:endParaRPr lang="en-US"/>
           </a:p>
@@ -475,7 +492,7 @@
           <a:p>
             <a:fld id="{5BCAD085-E8A6-8845-BD4E-CB4CCA059FC4}" type="datetimeFigureOut">
               <a:rPr lang="en-US" smtClean="0"/>
-              <a:t>1/27/13</a:t>
+              <a:t>11/27/2025</a:t>
             </a:fld>
             <a:endParaRPr lang="en-US"/>
           </a:p>
@@ -655,7 +672,7 @@
           <a:p>
             <a:fld id="{5BCAD085-E8A6-8845-BD4E-CB4CCA059FC4}" type="datetimeFigureOut">
               <a:rPr lang="en-US" smtClean="0"/>
-              <a:t>1/27/13</a:t>
+              <a:t>11/27/2025</a:t>
             </a:fld>
             <a:endParaRPr lang="en-US"/>
           </a:p>
@@ -825,7 +842,7 @@
           <a:p>
             <a:fld id="{5BCAD085-E8A6-8845-BD4E-CB4CCA059FC4}" type="datetimeFigureOut">
               <a:rPr lang="en-US" smtClean="0"/>
-              <a:t>1/27/13</a:t>
+              <a:t>11/27/2025</a:t>
             </a:fld>
             <a:endParaRPr lang="en-US"/>
           </a:p>
@@ -1071,7 +1088,7 @@
           <a:p>
             <a:fld id="{5BCAD085-E8A6-8845-BD4E-CB4CCA059FC4}" type="datetimeFigureOut">
               <a:rPr lang="en-US" smtClean="0"/>
-              <a:t>1/27/13</a:t>
+              <a:t>11/27/2025</a:t>
             </a:fld>
             <a:endParaRPr lang="en-US"/>
           </a:p>
@@ -1359,7 +1376,7 @@
           <a:p>
             <a:fld id="{5BCAD085-E8A6-8845-BD4E-CB4CCA059FC4}" type="datetimeFigureOut">
               <a:rPr lang="en-US" smtClean="0"/>
-              <a:t>1/27/13</a:t>
+              <a:t>11/27/2025</a:t>
             </a:fld>
             <a:endParaRPr lang="en-US"/>
           </a:p>
@@ -1781,7 +1798,7 @@
           <a:p>
             <a:fld id="{5BCAD085-E8A6-8845-BD4E-CB4CCA059FC4}" type="datetimeFigureOut">
               <a:rPr lang="en-US" smtClean="0"/>
-              <a:t>1/27/13</a:t>
+              <a:t>11/27/2025</a:t>
             </a:fld>
             <a:endParaRPr lang="en-US"/>
           </a:p>
@@ -1899,7 +1916,7 @@
           <a:p>
             <a:fld id="{5BCAD085-E8A6-8845-BD4E-CB4CCA059FC4}" type="datetimeFigureOut">
               <a:rPr lang="en-US" smtClean="0"/>
-              <a:t>1/27/13</a:t>
+              <a:t>11/27/2025</a:t>
             </a:fld>
             <a:endParaRPr lang="en-US"/>
           </a:p>
@@ -1994,7 +2011,7 @@
           <a:p>
             <a:fld id="{5BCAD085-E8A6-8845-BD4E-CB4CCA059FC4}" type="datetimeFigureOut">
               <a:rPr lang="en-US" smtClean="0"/>
-              <a:t>1/27/13</a:t>
+              <a:t>11/27/2025</a:t>
             </a:fld>
             <a:endParaRPr lang="en-US"/>
           </a:p>
@@ -2271,7 +2288,7 @@
           <a:p>
             <a:fld id="{5BCAD085-E8A6-8845-BD4E-CB4CCA059FC4}" type="datetimeFigureOut">
               <a:rPr lang="en-US" smtClean="0"/>
-              <a:t>1/27/13</a:t>
+              <a:t>11/27/2025</a:t>
             </a:fld>
             <a:endParaRPr lang="en-US"/>
           </a:p>
@@ -2524,7 +2541,7 @@
           <a:p>
             <a:fld id="{5BCAD085-E8A6-8845-BD4E-CB4CCA059FC4}" type="datetimeFigureOut">
               <a:rPr lang="en-US" smtClean="0"/>
-              <a:t>1/27/13</a:t>
+              <a:t>11/27/2025</a:t>
             </a:fld>
             <a:endParaRPr lang="en-US"/>
           </a:p>
@@ -2737,7 +2754,7 @@
           <a:p>
             <a:fld id="{5BCAD085-E8A6-8845-BD4E-CB4CCA059FC4}" type="datetimeFigureOut">
               <a:rPr lang="en-US" smtClean="0"/>
-              <a:t>1/27/13</a:t>
+              <a:t>11/27/2025</a:t>
             </a:fld>
             <a:endParaRPr lang="en-US"/>
           </a:p>
@@ -3096,7 +3113,7 @@
 </file>
 
 <file path=ppt/slides/slide1.xml><?xml version="1.0" encoding="utf-8"?>
-<p:sld xmlns:a="http://schemas.openxmlformats.org/drawingml/2006/main" xmlns:p="http://schemas.openxmlformats.org/presentationml/2006/main" xmlns:r="http://schemas.openxmlformats.org/officeDocument/2006/relationships">
+<p:sld xmlns:a="http://schemas.openxmlformats.org/drawingml/2006/main" xmlns:r="http://schemas.openxmlformats.org/officeDocument/2006/relationships" xmlns:p="http://schemas.openxmlformats.org/presentationml/2006/main">
   <p:cSld>
     <p:spTree>
       <p:nvGrpSpPr>
@@ -3104,7 +3121,14 @@
         <p:cNvGrpSpPr/>
         <p:nvPr/>
       </p:nvGrpSpPr>
-      <p:grpSpPr/>
+      <p:grpSpPr>
+        <a:xfrm>
+          <a:off x="0" y="0"/>
+          <a:ext cx="0" cy="0"/>
+          <a:chOff x="0" y="0"/>
+          <a:chExt cx="0" cy="0"/>
+        </a:xfrm>
+      </p:grpSpPr>
       <p:sp>
         <p:nvSpPr>
           <p:cNvPr id="2" name="Title 1"/>
@@ -3141,9 +3165,7 @@
           <a:bodyPr/>
           <a:lstStyle/>
           <a:p>
-            <a:r>
-              <a:t>Detailed Lecture Notes – BCA Third Semester</a:t>
-            </a:r>
+            <a:endParaRPr dirty="0"/>
           </a:p>
         </p:txBody>
       </p:sp>
@@ -3156,7 +3178,7 @@
 </file>
 
 <file path=ppt/slides/slide10.xml><?xml version="1.0" encoding="utf-8"?>
-<p:sld xmlns:a="http://schemas.openxmlformats.org/drawingml/2006/main" xmlns:p="http://schemas.openxmlformats.org/presentationml/2006/main" xmlns:r="http://schemas.openxmlformats.org/officeDocument/2006/relationships">
+<p:sld xmlns:a="http://schemas.openxmlformats.org/drawingml/2006/main" xmlns:r="http://schemas.openxmlformats.org/officeDocument/2006/relationships" xmlns:p="http://schemas.openxmlformats.org/presentationml/2006/main">
   <p:cSld>
     <p:spTree>
       <p:nvGrpSpPr>
@@ -3164,7 +3186,14 @@
         <p:cNvGrpSpPr/>
         <p:nvPr/>
       </p:nvGrpSpPr>
-      <p:grpSpPr/>
+      <p:grpSpPr>
+        <a:xfrm>
+          <a:off x="0" y="0"/>
+          <a:ext cx="0" cy="0"/>
+          <a:chOff x="0" y="0"/>
+          <a:chExt cx="0" cy="0"/>
+        </a:xfrm>
+      </p:grpSpPr>
       <p:sp>
         <p:nvSpPr>
           <p:cNvPr id="2" name="Title 1"/>
@@ -3181,7 +3210,7 @@
           <a:lstStyle/>
           <a:p>
             <a:r>
-              <a:t>Constructors</a:t>
+              <a:t>Using 'this' Keyword</a:t>
             </a:r>
           </a:p>
         </p:txBody>
@@ -3202,22 +3231,17 @@
           <a:lstStyle/>
           <a:p>
             <a:r>
-              <a:t>Constructors initialize objects automatically on creation.</a:t>
-            </a:r>
-          </a:p>
-          <a:p>
-            <a:r>
-              <a:t>They have no return type and share the class name.</a:t>
-            </a:r>
-          </a:p>
-          <a:p>
-            <a:r>
-              <a:t>Example:</a:t>
-            </a:r>
-          </a:p>
-          <a:p>
-            <a:r>
-              <a:t>Student(){ System.out.println("Created"); }</a:t>
+              <a:t>'this' refers to the current object.</a:t>
+            </a:r>
+          </a:p>
+          <a:p>
+            <a:r>
+              <a:t>Used to access instance variables when method parameters shadow field names.</a:t>
+            </a:r>
+          </a:p>
+          <a:p>
+            <a:r>
+              <a:t>Example: this.name=name;</a:t>
             </a:r>
           </a:p>
         </p:txBody>
@@ -3231,7 +3255,7 @@
 </file>
 
 <file path=ppt/slides/slide11.xml><?xml version="1.0" encoding="utf-8"?>
-<p:sld xmlns:a="http://schemas.openxmlformats.org/drawingml/2006/main" xmlns:p="http://schemas.openxmlformats.org/presentationml/2006/main" xmlns:r="http://schemas.openxmlformats.org/officeDocument/2006/relationships">
+<p:sld xmlns:a="http://schemas.openxmlformats.org/drawingml/2006/main" xmlns:r="http://schemas.openxmlformats.org/officeDocument/2006/relationships" xmlns:p="http://schemas.openxmlformats.org/presentationml/2006/main">
   <p:cSld>
     <p:spTree>
       <p:nvGrpSpPr>
@@ -3239,7 +3263,14 @@
         <p:cNvGrpSpPr/>
         <p:nvPr/>
       </p:nvGrpSpPr>
-      <p:grpSpPr/>
+      <p:grpSpPr>
+        <a:xfrm>
+          <a:off x="0" y="0"/>
+          <a:ext cx="0" cy="0"/>
+          <a:chOff x="0" y="0"/>
+          <a:chExt cx="0" cy="0"/>
+        </a:xfrm>
+      </p:grpSpPr>
       <p:sp>
         <p:nvSpPr>
           <p:cNvPr id="2" name="Title 1"/>
@@ -3256,7 +3287,7 @@
           <a:lstStyle/>
           <a:p>
             <a:r>
-              <a:t>Default Constructors</a:t>
+              <a:t>Constructors</a:t>
             </a:r>
           </a:p>
         </p:txBody>
@@ -3277,17 +3308,22 @@
           <a:lstStyle/>
           <a:p>
             <a:r>
-              <a:t>If no constructor is written, Java provides a default constructor.</a:t>
-            </a:r>
-          </a:p>
-          <a:p>
-            <a:r>
-              <a:t>It assigns default values: int=0, boolean=false, objects=null.</a:t>
-            </a:r>
-          </a:p>
-          <a:p>
-            <a:r>
-              <a:t>Used for creating simple objects quickly.</a:t>
+              <a:t>Constructors initialize objects automatically on creation.</a:t>
+            </a:r>
+          </a:p>
+          <a:p>
+            <a:r>
+              <a:t>They have no return type and share the class name.</a:t>
+            </a:r>
+          </a:p>
+          <a:p>
+            <a:r>
+              <a:t>Example:</a:t>
+            </a:r>
+          </a:p>
+          <a:p>
+            <a:r>
+              <a:t>Student(){ System.out.println("Created"); }</a:t>
             </a:r>
           </a:p>
         </p:txBody>
@@ -3301,7 +3337,7 @@
 </file>
 
 <file path=ppt/slides/slide12.xml><?xml version="1.0" encoding="utf-8"?>
-<p:sld xmlns:a="http://schemas.openxmlformats.org/drawingml/2006/main" xmlns:p="http://schemas.openxmlformats.org/presentationml/2006/main" xmlns:r="http://schemas.openxmlformats.org/officeDocument/2006/relationships">
+<p:sld xmlns:a="http://schemas.openxmlformats.org/drawingml/2006/main" xmlns:r="http://schemas.openxmlformats.org/officeDocument/2006/relationships" xmlns:p="http://schemas.openxmlformats.org/presentationml/2006/main">
   <p:cSld>
     <p:spTree>
       <p:nvGrpSpPr>
@@ -3309,7 +3345,14 @@
         <p:cNvGrpSpPr/>
         <p:nvPr/>
       </p:nvGrpSpPr>
-      <p:grpSpPr/>
+      <p:grpSpPr>
+        <a:xfrm>
+          <a:off x="0" y="0"/>
+          <a:ext cx="0" cy="0"/>
+          <a:chOff x="0" y="0"/>
+          <a:chExt cx="0" cy="0"/>
+        </a:xfrm>
+      </p:grpSpPr>
       <p:sp>
         <p:nvSpPr>
           <p:cNvPr id="2" name="Title 1"/>
@@ -3326,7 +3369,7 @@
           <a:lstStyle/>
           <a:p>
             <a:r>
-              <a:t>Parameterized Constructors</a:t>
+              <a:t>Default Constructors</a:t>
             </a:r>
           </a:p>
         </p:txBody>
@@ -3347,17 +3390,17 @@
           <a:lstStyle/>
           <a:p>
             <a:r>
-              <a:t>Used for initializing objects with custom values.</a:t>
-            </a:r>
-          </a:p>
-          <a:p>
-            <a:r>
-              <a:t>Example:</a:t>
-            </a:r>
-          </a:p>
-          <a:p>
-            <a:r>
-              <a:t>Student(int id, String name){ this.id=id; this.name=name; }</a:t>
+              <a:t>If no constructor is written, Java provides a default constructor.</a:t>
+            </a:r>
+          </a:p>
+          <a:p>
+            <a:r>
+              <a:t>It assigns default values: int=0, boolean=false, objects=null.</a:t>
+            </a:r>
+          </a:p>
+          <a:p>
+            <a:r>
+              <a:t>Used for creating simple objects quickly.</a:t>
             </a:r>
           </a:p>
         </p:txBody>
@@ -3371,7 +3414,7 @@
 </file>
 
 <file path=ppt/slides/slide13.xml><?xml version="1.0" encoding="utf-8"?>
-<p:sld xmlns:a="http://schemas.openxmlformats.org/drawingml/2006/main" xmlns:p="http://schemas.openxmlformats.org/presentationml/2006/main" xmlns:r="http://schemas.openxmlformats.org/officeDocument/2006/relationships">
+<p:sld xmlns:a="http://schemas.openxmlformats.org/drawingml/2006/main" xmlns:r="http://schemas.openxmlformats.org/officeDocument/2006/relationships" xmlns:p="http://schemas.openxmlformats.org/presentationml/2006/main">
   <p:cSld>
     <p:spTree>
       <p:nvGrpSpPr>
@@ -3379,7 +3422,14 @@
         <p:cNvGrpSpPr/>
         <p:nvPr/>
       </p:nvGrpSpPr>
-      <p:grpSpPr/>
+      <p:grpSpPr>
+        <a:xfrm>
+          <a:off x="0" y="0"/>
+          <a:ext cx="0" cy="0"/>
+          <a:chOff x="0" y="0"/>
+          <a:chExt cx="0" cy="0"/>
+        </a:xfrm>
+      </p:grpSpPr>
       <p:sp>
         <p:nvSpPr>
           <p:cNvPr id="2" name="Title 1"/>
@@ -3396,7 +3446,7 @@
           <a:lstStyle/>
           <a:p>
             <a:r>
-              <a:t>More on Methods: Return Types</a:t>
+              <a:t>Parameterized Constructors</a:t>
             </a:r>
           </a:p>
         </p:txBody>
@@ -3417,7 +3467,7 @@
           <a:lstStyle/>
           <a:p>
             <a:r>
-              <a:t>Methods can return primitive or reference values.</a:t>
+              <a:t>Used for initializing objects with custom values.</a:t>
             </a:r>
           </a:p>
           <a:p>
@@ -3427,12 +3477,7 @@
           </a:p>
           <a:p>
             <a:r>
-              <a:t>int square(int x){ return x*x; }</a:t>
-            </a:r>
-          </a:p>
-          <a:p>
-            <a:r>
-              <a:t>Return statement ends execution of the method.</a:t>
+              <a:t>Student(int id, String name){ this.id=id; this.name=name; }</a:t>
             </a:r>
           </a:p>
         </p:txBody>
@@ -3446,7 +3491,7 @@
 </file>
 
 <file path=ppt/slides/slide14.xml><?xml version="1.0" encoding="utf-8"?>
-<p:sld xmlns:a="http://schemas.openxmlformats.org/drawingml/2006/main" xmlns:p="http://schemas.openxmlformats.org/presentationml/2006/main" xmlns:r="http://schemas.openxmlformats.org/officeDocument/2006/relationships">
+<p:sld xmlns:a="http://schemas.openxmlformats.org/drawingml/2006/main" xmlns:r="http://schemas.openxmlformats.org/officeDocument/2006/relationships" xmlns:p="http://schemas.openxmlformats.org/presentationml/2006/main">
   <p:cSld>
     <p:spTree>
       <p:nvGrpSpPr>
@@ -3454,7 +3499,14 @@
         <p:cNvGrpSpPr/>
         <p:nvPr/>
       </p:nvGrpSpPr>
-      <p:grpSpPr/>
+      <p:grpSpPr>
+        <a:xfrm>
+          <a:off x="0" y="0"/>
+          <a:ext cx="0" cy="0"/>
+          <a:chOff x="0" y="0"/>
+          <a:chExt cx="0" cy="0"/>
+        </a:xfrm>
+      </p:grpSpPr>
       <p:sp>
         <p:nvSpPr>
           <p:cNvPr id="2" name="Title 1"/>
@@ -3471,7 +3523,7 @@
           <a:lstStyle/>
           <a:p>
             <a:r>
-              <a:t>Passing by Value vs Reference</a:t>
+              <a:t>More on Methods: Return Types</a:t>
             </a:r>
           </a:p>
         </p:txBody>
@@ -3492,17 +3544,22 @@
           <a:lstStyle/>
           <a:p>
             <a:r>
-              <a:t>Java always uses pass-by-value.</a:t>
-            </a:r>
-          </a:p>
-          <a:p>
-            <a:r>
-              <a:t>Objects are passed by reference value (address), not actual object.</a:t>
-            </a:r>
-          </a:p>
-          <a:p>
-            <a:r>
-              <a:t>Changes inside method affect object fields.</a:t>
+              <a:t>Methods can return primitive or reference values.</a:t>
+            </a:r>
+          </a:p>
+          <a:p>
+            <a:r>
+              <a:t>Example:</a:t>
+            </a:r>
+          </a:p>
+          <a:p>
+            <a:r>
+              <a:t>int square(int x){ return x*x; }</a:t>
+            </a:r>
+          </a:p>
+          <a:p>
+            <a:r>
+              <a:t>Return statement ends execution of the method.</a:t>
             </a:r>
           </a:p>
         </p:txBody>
@@ -3516,7 +3573,7 @@
 </file>
 
 <file path=ppt/slides/slide15.xml><?xml version="1.0" encoding="utf-8"?>
-<p:sld xmlns:a="http://schemas.openxmlformats.org/drawingml/2006/main" xmlns:p="http://schemas.openxmlformats.org/presentationml/2006/main" xmlns:r="http://schemas.openxmlformats.org/officeDocument/2006/relationships">
+<p:sld xmlns:a="http://schemas.openxmlformats.org/drawingml/2006/main" xmlns:r="http://schemas.openxmlformats.org/officeDocument/2006/relationships" xmlns:p="http://schemas.openxmlformats.org/presentationml/2006/main">
   <p:cSld>
     <p:spTree>
       <p:nvGrpSpPr>
@@ -3524,7 +3581,14 @@
         <p:cNvGrpSpPr/>
         <p:nvPr/>
       </p:nvGrpSpPr>
-      <p:grpSpPr/>
+      <p:grpSpPr>
+        <a:xfrm>
+          <a:off x="0" y="0"/>
+          <a:ext cx="0" cy="0"/>
+          <a:chOff x="0" y="0"/>
+          <a:chExt cx="0" cy="0"/>
+        </a:xfrm>
+      </p:grpSpPr>
       <p:sp>
         <p:nvSpPr>
           <p:cNvPr id="2" name="Title 1"/>
@@ -3541,7 +3605,7 @@
           <a:lstStyle/>
           <a:p>
             <a:r>
-              <a:t>Polymorphism and Overloading</a:t>
+              <a:t>Passing by Value vs Reference</a:t>
             </a:r>
           </a:p>
         </p:txBody>
@@ -3562,27 +3626,17 @@
           <a:lstStyle/>
           <a:p>
             <a:r>
-              <a:t>Polymorphism = one name, many forms.</a:t>
-            </a:r>
-          </a:p>
-          <a:p>
-            <a:r>
-              <a:t>Method overloading: same method name, different parameter list.</a:t>
-            </a:r>
-          </a:p>
-          <a:p>
-            <a:r>
-              <a:t>Example:</a:t>
-            </a:r>
-          </a:p>
-          <a:p>
-            <a:r>
-              <a:t>add(int a);</a:t>
-            </a:r>
-          </a:p>
-          <a:p>
-            <a:r>
-              <a:t>add(int a, int b);</a:t>
+              <a:t>Java always uses pass-by-value.</a:t>
+            </a:r>
+          </a:p>
+          <a:p>
+            <a:r>
+              <a:t>Objects are passed by reference value (address), not actual object.</a:t>
+            </a:r>
+          </a:p>
+          <a:p>
+            <a:r>
+              <a:t>Changes inside method affect object fields.</a:t>
             </a:r>
           </a:p>
         </p:txBody>
@@ -3596,7 +3650,7 @@
 </file>
 
 <file path=ppt/slides/slide16.xml><?xml version="1.0" encoding="utf-8"?>
-<p:sld xmlns:a="http://schemas.openxmlformats.org/drawingml/2006/main" xmlns:p="http://schemas.openxmlformats.org/presentationml/2006/main" xmlns:r="http://schemas.openxmlformats.org/officeDocument/2006/relationships">
+<p:sld xmlns:a="http://schemas.openxmlformats.org/drawingml/2006/main" xmlns:r="http://schemas.openxmlformats.org/officeDocument/2006/relationships" xmlns:p="http://schemas.openxmlformats.org/presentationml/2006/main">
   <p:cSld>
     <p:spTree>
       <p:nvGrpSpPr>
@@ -3604,7 +3658,14 @@
         <p:cNvGrpSpPr/>
         <p:nvPr/>
       </p:nvGrpSpPr>
-      <p:grpSpPr/>
+      <p:grpSpPr>
+        <a:xfrm>
+          <a:off x="0" y="0"/>
+          <a:ext cx="0" cy="0"/>
+          <a:chOff x="0" y="0"/>
+          <a:chExt cx="0" cy="0"/>
+        </a:xfrm>
+      </p:grpSpPr>
       <p:sp>
         <p:nvSpPr>
           <p:cNvPr id="2" name="Title 1"/>
@@ -3621,7 +3682,7 @@
           <a:lstStyle/>
           <a:p>
             <a:r>
-              <a:t>Recursion</a:t>
+              <a:t>Polymorphism and Overloading</a:t>
             </a:r>
           </a:p>
         </p:txBody>
@@ -3642,17 +3703,27 @@
           <a:lstStyle/>
           <a:p>
             <a:r>
-              <a:t>A method that calls itself.</a:t>
-            </a:r>
-          </a:p>
-          <a:p>
-            <a:r>
-              <a:t>Used in factorial, Fibonacci, searching, tree traversal.</a:t>
-            </a:r>
-          </a:p>
-          <a:p>
-            <a:r>
-              <a:t>Requires base case to prevent infinite recursion.</a:t>
+              <a:t>Polymorphism = one name, many forms.</a:t>
+            </a:r>
+          </a:p>
+          <a:p>
+            <a:r>
+              <a:t>Method overloading: same method name, different parameter list.</a:t>
+            </a:r>
+          </a:p>
+          <a:p>
+            <a:r>
+              <a:t>Example:</a:t>
+            </a:r>
+          </a:p>
+          <a:p>
+            <a:r>
+              <a:t>add(int a);</a:t>
+            </a:r>
+          </a:p>
+          <a:p>
+            <a:r>
+              <a:t>add(int a, int b);</a:t>
             </a:r>
           </a:p>
         </p:txBody>
@@ -3666,7 +3737,7 @@
 </file>
 
 <file path=ppt/slides/slide17.xml><?xml version="1.0" encoding="utf-8"?>
-<p:sld xmlns:a="http://schemas.openxmlformats.org/drawingml/2006/main" xmlns:p="http://schemas.openxmlformats.org/presentationml/2006/main" xmlns:r="http://schemas.openxmlformats.org/officeDocument/2006/relationships">
+<p:sld xmlns:a="http://schemas.openxmlformats.org/drawingml/2006/main" xmlns:r="http://schemas.openxmlformats.org/officeDocument/2006/relationships" xmlns:p="http://schemas.openxmlformats.org/presentationml/2006/main">
   <p:cSld>
     <p:spTree>
       <p:nvGrpSpPr>
@@ -3674,7 +3745,14 @@
         <p:cNvGrpSpPr/>
         <p:nvPr/>
       </p:nvGrpSpPr>
-      <p:grpSpPr/>
+      <p:grpSpPr>
+        <a:xfrm>
+          <a:off x="0" y="0"/>
+          <a:ext cx="0" cy="0"/>
+          <a:chOff x="0" y="0"/>
+          <a:chExt cx="0" cy="0"/>
+        </a:xfrm>
+      </p:grpSpPr>
       <p:sp>
         <p:nvSpPr>
           <p:cNvPr id="2" name="Title 1"/>
@@ -3691,7 +3769,7 @@
           <a:lstStyle/>
           <a:p>
             <a:r>
-              <a:t>Access Control</a:t>
+              <a:t>Recursion</a:t>
             </a:r>
           </a:p>
         </p:txBody>
@@ -3712,22 +3790,17 @@
           <a:lstStyle/>
           <a:p>
             <a:r>
-              <a:t>public – accessible everywhere.</a:t>
-            </a:r>
-          </a:p>
-          <a:p>
-            <a:r>
-              <a:t>private – accessible only inside class.</a:t>
-            </a:r>
-          </a:p>
-          <a:p>
-            <a:r>
-              <a:t>protected – accessible in subclasses.</a:t>
-            </a:r>
-          </a:p>
-          <a:p>
-            <a:r>
-              <a:t>default – accessible inside same package.</a:t>
+              <a:t>A method that calls itself.</a:t>
+            </a:r>
+          </a:p>
+          <a:p>
+            <a:r>
+              <a:t>Used in factorial, Fibonacci, searching, tree traversal.</a:t>
+            </a:r>
+          </a:p>
+          <a:p>
+            <a:r>
+              <a:t>Requires base case to prevent infinite recursion.</a:t>
             </a:r>
           </a:p>
         </p:txBody>
@@ -3741,7 +3814,7 @@
 </file>
 
 <file path=ppt/slides/slide18.xml><?xml version="1.0" encoding="utf-8"?>
-<p:sld xmlns:a="http://schemas.openxmlformats.org/drawingml/2006/main" xmlns:p="http://schemas.openxmlformats.org/presentationml/2006/main" xmlns:r="http://schemas.openxmlformats.org/officeDocument/2006/relationships">
+<p:sld xmlns:a="http://schemas.openxmlformats.org/drawingml/2006/main" xmlns:r="http://schemas.openxmlformats.org/officeDocument/2006/relationships" xmlns:p="http://schemas.openxmlformats.org/presentationml/2006/main">
   <p:cSld>
     <p:spTree>
       <p:nvGrpSpPr>
@@ -3749,7 +3822,96 @@
         <p:cNvGrpSpPr/>
         <p:nvPr/>
       </p:nvGrpSpPr>
-      <p:grpSpPr/>
+      <p:grpSpPr>
+        <a:xfrm>
+          <a:off x="0" y="0"/>
+          <a:ext cx="0" cy="0"/>
+          <a:chOff x="0" y="0"/>
+          <a:chExt cx="0" cy="0"/>
+        </a:xfrm>
+      </p:grpSpPr>
+      <p:sp>
+        <p:nvSpPr>
+          <p:cNvPr id="2" name="Title 1"/>
+          <p:cNvSpPr>
+            <a:spLocks noGrp="1"/>
+          </p:cNvSpPr>
+          <p:nvPr>
+            <p:ph type="title"/>
+          </p:nvPr>
+        </p:nvSpPr>
+        <p:spPr/>
+        <p:txBody>
+          <a:bodyPr/>
+          <a:lstStyle/>
+          <a:p>
+            <a:r>
+              <a:t>Access Control</a:t>
+            </a:r>
+          </a:p>
+        </p:txBody>
+      </p:sp>
+      <p:sp>
+        <p:nvSpPr>
+          <p:cNvPr id="3" name="Content Placeholder 2"/>
+          <p:cNvSpPr>
+            <a:spLocks noGrp="1"/>
+          </p:cNvSpPr>
+          <p:nvPr>
+            <p:ph idx="1"/>
+          </p:nvPr>
+        </p:nvSpPr>
+        <p:spPr/>
+        <p:txBody>
+          <a:bodyPr/>
+          <a:lstStyle/>
+          <a:p>
+            <a:r>
+              <a:t>public – accessible everywhere.</a:t>
+            </a:r>
+          </a:p>
+          <a:p>
+            <a:r>
+              <a:t>private – accessible only inside class.</a:t>
+            </a:r>
+          </a:p>
+          <a:p>
+            <a:r>
+              <a:t>protected – accessible in subclasses.</a:t>
+            </a:r>
+          </a:p>
+          <a:p>
+            <a:r>
+              <a:t>default – accessible inside same package.</a:t>
+            </a:r>
+          </a:p>
+        </p:txBody>
+      </p:sp>
+    </p:spTree>
+  </p:cSld>
+  <p:clrMapOvr>
+    <a:masterClrMapping/>
+  </p:clrMapOvr>
+</p:sld>
+</file>
+
+<file path=ppt/slides/slide19.xml><?xml version="1.0" encoding="utf-8"?>
+<p:sld xmlns:a="http://schemas.openxmlformats.org/drawingml/2006/main" xmlns:r="http://schemas.openxmlformats.org/officeDocument/2006/relationships" xmlns:p="http://schemas.openxmlformats.org/presentationml/2006/main">
+  <p:cSld>
+    <p:spTree>
+      <p:nvGrpSpPr>
+        <p:cNvPr id="1" name=""/>
+        <p:cNvGrpSpPr/>
+        <p:nvPr/>
+      </p:nvGrpSpPr>
+      <p:grpSpPr>
+        <a:xfrm>
+          <a:off x="0" y="0"/>
+          <a:ext cx="0" cy="0"/>
+          <a:chOff x="0" y="0"/>
+          <a:chExt cx="0" cy="0"/>
+        </a:xfrm>
+      </p:grpSpPr>
       <p:sp>
         <p:nvSpPr>
           <p:cNvPr id="2" name="Title 1"/>
@@ -3816,7 +3978,7 @@
 </file>
 
 <file path=ppt/slides/slide2.xml><?xml version="1.0" encoding="utf-8"?>
-<p:sld xmlns:a="http://schemas.openxmlformats.org/drawingml/2006/main" xmlns:p="http://schemas.openxmlformats.org/presentationml/2006/main" xmlns:r="http://schemas.openxmlformats.org/officeDocument/2006/relationships">
+<p:sld xmlns:a="http://schemas.openxmlformats.org/drawingml/2006/main" xmlns:r="http://schemas.openxmlformats.org/officeDocument/2006/relationships" xmlns:p="http://schemas.openxmlformats.org/presentationml/2006/main">
   <p:cSld>
     <p:spTree>
       <p:nvGrpSpPr>
@@ -3824,7 +3986,14 @@
         <p:cNvGrpSpPr/>
         <p:nvPr/>
       </p:nvGrpSpPr>
-      <p:grpSpPr/>
+      <p:grpSpPr>
+        <a:xfrm>
+          <a:off x="0" y="0"/>
+          <a:ext cx="0" cy="0"/>
+          <a:chOff x="0" y="0"/>
+          <a:chExt cx="0" cy="0"/>
+        </a:xfrm>
+      </p:grpSpPr>
       <p:sp>
         <p:nvSpPr>
           <p:cNvPr id="2" name="Title 1"/>
@@ -3841,8 +4010,10 @@
           <a:lstStyle/>
           <a:p>
             <a:r>
-              <a:t>What is a Class?</a:t>
-            </a:r>
+              <a:rPr lang="en-US" dirty="0" smtClean="0"/>
+              <a:t>Syllabus</a:t>
+            </a:r>
+            <a:endParaRPr lang="en-US" dirty="0"/>
           </a:p>
         </p:txBody>
       </p:sp>
@@ -3858,26 +4029,27 @@
         </p:nvSpPr>
         <p:spPr/>
         <p:txBody>
-          <a:bodyPr/>
-          <a:lstStyle/>
-          <a:p>
-            <a:r>
-              <a:t>A class is a blueprint that defines properties (variables) and behaviors (methods).</a:t>
-            </a:r>
-          </a:p>
-          <a:p>
-            <a:r>
-              <a:t>Classes help model real-world entities and support Object-Oriented Programming principles.</a:t>
-            </a:r>
-          </a:p>
-          <a:p>
-            <a:r>
-              <a:t>A program may contain many classes working together.</a:t>
-            </a:r>
+          <a:bodyPr>
+            <a:normAutofit lnSpcReduction="10000"/>
+          </a:bodyPr>
+          <a:lstStyle/>
+          <a:p>
+            <a:r>
+              <a:rPr lang="en-GB" dirty="0"/>
+              <a:t>Fundamentals of Classes: A Simple Class, Creating Class Instances, Adding methods to a class, Calling Functions/Methods; Abstraction, Encapsulation, Using 'this' keyword, Constructors, Default constructors, Parameterized constructors, More on methods: Passing by Value, by Reference, Access Control, Methods that Return Values, Polymorphism and Method Overloading, Recursion; Nested and Inner Classes.</a:t>
+            </a:r>
+          </a:p>
+          <a:p>
+            <a:endParaRPr lang="en-US" dirty="0"/>
           </a:p>
         </p:txBody>
       </p:sp>
     </p:spTree>
+    <p:extLst>
+      <p:ext uri="{BB962C8B-B14F-4D97-AF65-F5344CB8AC3E}">
+        <p14:creationId xmlns:p14="http://schemas.microsoft.com/office/powerpoint/2010/main" val="4138573443"/>
+      </p:ext>
+    </p:extLst>
   </p:cSld>
   <p:clrMapOvr>
     <a:masterClrMapping/>
@@ -3886,7 +4058,7 @@
 </file>
 
 <file path=ppt/slides/slide3.xml><?xml version="1.0" encoding="utf-8"?>
-<p:sld xmlns:a="http://schemas.openxmlformats.org/drawingml/2006/main" xmlns:p="http://schemas.openxmlformats.org/presentationml/2006/main" xmlns:r="http://schemas.openxmlformats.org/officeDocument/2006/relationships">
+<p:sld xmlns:a="http://schemas.openxmlformats.org/drawingml/2006/main" xmlns:r="http://schemas.openxmlformats.org/officeDocument/2006/relationships" xmlns:p="http://schemas.openxmlformats.org/presentationml/2006/main">
   <p:cSld>
     <p:spTree>
       <p:nvGrpSpPr>
@@ -3894,7 +4066,14 @@
         <p:cNvGrpSpPr/>
         <p:nvPr/>
       </p:nvGrpSpPr>
-      <p:grpSpPr/>
+      <p:grpSpPr>
+        <a:xfrm>
+          <a:off x="0" y="0"/>
+          <a:ext cx="0" cy="0"/>
+          <a:chOff x="0" y="0"/>
+          <a:chExt cx="0" cy="0"/>
+        </a:xfrm>
+      </p:grpSpPr>
       <p:sp>
         <p:nvSpPr>
           <p:cNvPr id="2" name="Title 1"/>
@@ -3911,7 +4090,7 @@
           <a:lstStyle/>
           <a:p>
             <a:r>
-              <a:t>A Simple Class</a:t>
+              <a:t>What is a Class?</a:t>
             </a:r>
           </a:p>
         </p:txBody>
@@ -3932,37 +4111,17 @@
           <a:lstStyle/>
           <a:p>
             <a:r>
-              <a:t>Example:</a:t>
-            </a:r>
-          </a:p>
-          <a:p>
-            <a:r>
-              <a:t>class Student {</a:t>
-            </a:r>
-          </a:p>
-          <a:p>
-            <a:r>
-              <a:t>    int id;</a:t>
-            </a:r>
-          </a:p>
-          <a:p>
-            <a:r>
-              <a:t>    String name;</a:t>
-            </a:r>
-          </a:p>
-          <a:p>
-            <a:r>
-              <a:t>}</a:t>
-            </a:r>
-          </a:p>
-          <a:p>
-            <a:r>
-              <a:t>This class defines two fields representing the student's identity.</a:t>
-            </a:r>
-          </a:p>
-          <a:p>
-            <a:r>
-              <a:t>No behavior/methods are yet added.</a:t>
+              <a:t>A class is a blueprint that defines properties (variables) and behaviors (methods).</a:t>
+            </a:r>
+          </a:p>
+          <a:p>
+            <a:r>
+              <a:t>Classes help model real-world entities and support Object-Oriented Programming principles.</a:t>
+            </a:r>
+          </a:p>
+          <a:p>
+            <a:r>
+              <a:t>A program may contain many classes working together.</a:t>
             </a:r>
           </a:p>
         </p:txBody>
@@ -3976,7 +4135,7 @@
 </file>
 
 <file path=ppt/slides/slide4.xml><?xml version="1.0" encoding="utf-8"?>
-<p:sld xmlns:a="http://schemas.openxmlformats.org/drawingml/2006/main" xmlns:p="http://schemas.openxmlformats.org/presentationml/2006/main" xmlns:r="http://schemas.openxmlformats.org/officeDocument/2006/relationships">
+<p:sld xmlns:a="http://schemas.openxmlformats.org/drawingml/2006/main" xmlns:r="http://schemas.openxmlformats.org/officeDocument/2006/relationships" xmlns:p="http://schemas.openxmlformats.org/presentationml/2006/main">
   <p:cSld>
     <p:spTree>
       <p:nvGrpSpPr>
@@ -3984,7 +4143,14 @@
         <p:cNvGrpSpPr/>
         <p:nvPr/>
       </p:nvGrpSpPr>
-      <p:grpSpPr/>
+      <p:grpSpPr>
+        <a:xfrm>
+          <a:off x="0" y="0"/>
+          <a:ext cx="0" cy="0"/>
+          <a:chOff x="0" y="0"/>
+          <a:chExt cx="0" cy="0"/>
+        </a:xfrm>
+      </p:grpSpPr>
       <p:sp>
         <p:nvSpPr>
           <p:cNvPr id="2" name="Title 1"/>
@@ -4001,7 +4167,7 @@
           <a:lstStyle/>
           <a:p>
             <a:r>
-              <a:t>Creating Class Instances</a:t>
+              <a:t>A Simple Class</a:t>
             </a:r>
           </a:p>
         </p:txBody>
@@ -4018,13 +4184,10 @@
         </p:nvSpPr>
         <p:spPr/>
         <p:txBody>
-          <a:bodyPr/>
-          <a:lstStyle/>
-          <a:p>
-            <a:r>
-              <a:t>Objects are instances of classes created using 'new' keyword.</a:t>
-            </a:r>
-          </a:p>
+          <a:bodyPr>
+            <a:normAutofit lnSpcReduction="10000"/>
+          </a:bodyPr>
+          <a:lstStyle/>
           <a:p>
             <a:r>
               <a:t>Example:</a:t>
@@ -4032,12 +4195,32 @@
           </a:p>
           <a:p>
             <a:r>
-              <a:t>Student s1 = new Student();</a:t>
-            </a:r>
-          </a:p>
-          <a:p>
-            <a:r>
-              <a:t>Each object gets its own copy of fields.</a:t>
+              <a:t>class Student {</a:t>
+            </a:r>
+          </a:p>
+          <a:p>
+            <a:r>
+              <a:t>    int id;</a:t>
+            </a:r>
+          </a:p>
+          <a:p>
+            <a:r>
+              <a:t>    String name;</a:t>
+            </a:r>
+          </a:p>
+          <a:p>
+            <a:r>
+              <a:t>}</a:t>
+            </a:r>
+          </a:p>
+          <a:p>
+            <a:r>
+              <a:t>This class defines two fields representing the student's identity.</a:t>
+            </a:r>
+          </a:p>
+          <a:p>
+            <a:r>
+              <a:t>No behavior/methods are yet added.</a:t>
             </a:r>
           </a:p>
         </p:txBody>
@@ -4051,7 +4234,7 @@
 </file>
 
 <file path=ppt/slides/slide5.xml><?xml version="1.0" encoding="utf-8"?>
-<p:sld xmlns:a="http://schemas.openxmlformats.org/drawingml/2006/main" xmlns:p="http://schemas.openxmlformats.org/presentationml/2006/main" xmlns:r="http://schemas.openxmlformats.org/officeDocument/2006/relationships">
+<p:sld xmlns:a="http://schemas.openxmlformats.org/drawingml/2006/main" xmlns:r="http://schemas.openxmlformats.org/officeDocument/2006/relationships" xmlns:p="http://schemas.openxmlformats.org/presentationml/2006/main">
   <p:cSld>
     <p:spTree>
       <p:nvGrpSpPr>
@@ -4059,7 +4242,14 @@
         <p:cNvGrpSpPr/>
         <p:nvPr/>
       </p:nvGrpSpPr>
-      <p:grpSpPr/>
+      <p:grpSpPr>
+        <a:xfrm>
+          <a:off x="0" y="0"/>
+          <a:ext cx="0" cy="0"/>
+          <a:chOff x="0" y="0"/>
+          <a:chExt cx="0" cy="0"/>
+        </a:xfrm>
+      </p:grpSpPr>
       <p:sp>
         <p:nvSpPr>
           <p:cNvPr id="2" name="Title 1"/>
@@ -4076,7 +4266,7 @@
           <a:lstStyle/>
           <a:p>
             <a:r>
-              <a:t>Adding Methods to a Class</a:t>
+              <a:t>Creating Class Instances</a:t>
             </a:r>
           </a:p>
         </p:txBody>
@@ -4097,7 +4287,7 @@
           <a:lstStyle/>
           <a:p>
             <a:r>
-              <a:t>Methods define actions or behaviors.</a:t>
+              <a:t>Objects are instances of classes created using 'new' keyword.</a:t>
             </a:r>
           </a:p>
           <a:p>
@@ -4107,22 +4297,12 @@
           </a:p>
           <a:p>
             <a:r>
-              <a:t>void display() {</a:t>
-            </a:r>
-          </a:p>
-          <a:p>
-            <a:r>
-              <a:t>   System.out.println(name);</a:t>
-            </a:r>
-          </a:p>
-          <a:p>
-            <a:r>
-              <a:t>}</a:t>
-            </a:r>
-          </a:p>
-          <a:p>
-            <a:r>
-              <a:t>Methods can accept parameters and return values.</a:t>
+              <a:t>Student s1 = new Student();</a:t>
+            </a:r>
+          </a:p>
+          <a:p>
+            <a:r>
+              <a:t>Each object gets its own copy of fields.</a:t>
             </a:r>
           </a:p>
         </p:txBody>
@@ -4136,7 +4316,7 @@
 </file>
 
 <file path=ppt/slides/slide6.xml><?xml version="1.0" encoding="utf-8"?>
-<p:sld xmlns:a="http://schemas.openxmlformats.org/drawingml/2006/main" xmlns:p="http://schemas.openxmlformats.org/presentationml/2006/main" xmlns:r="http://schemas.openxmlformats.org/officeDocument/2006/relationships">
+<p:sld xmlns:a="http://schemas.openxmlformats.org/drawingml/2006/main" xmlns:r="http://schemas.openxmlformats.org/officeDocument/2006/relationships" xmlns:p="http://schemas.openxmlformats.org/presentationml/2006/main">
   <p:cSld>
     <p:spTree>
       <p:nvGrpSpPr>
@@ -4144,7 +4324,14 @@
         <p:cNvGrpSpPr/>
         <p:nvPr/>
       </p:nvGrpSpPr>
-      <p:grpSpPr/>
+      <p:grpSpPr>
+        <a:xfrm>
+          <a:off x="0" y="0"/>
+          <a:ext cx="0" cy="0"/>
+          <a:chOff x="0" y="0"/>
+          <a:chExt cx="0" cy="0"/>
+        </a:xfrm>
+      </p:grpSpPr>
       <p:sp>
         <p:nvSpPr>
           <p:cNvPr id="2" name="Title 1"/>
@@ -4161,7 +4348,7 @@
           <a:lstStyle/>
           <a:p>
             <a:r>
-              <a:t>Calling Methods</a:t>
+              <a:t>Adding Methods to a Class</a:t>
             </a:r>
           </a:p>
         </p:txBody>
@@ -4182,12 +4369,7 @@
           <a:lstStyle/>
           <a:p>
             <a:r>
-              <a:t>To call a method:</a:t>
-            </a:r>
-          </a:p>
-          <a:p>
-            <a:r>
-              <a:t>objectName.methodName();</a:t>
+              <a:t>Methods define actions or behaviors.</a:t>
             </a:r>
           </a:p>
           <a:p>
@@ -4197,12 +4379,22 @@
           </a:p>
           <a:p>
             <a:r>
-              <a:t>s1.display();</a:t>
-            </a:r>
-          </a:p>
-          <a:p>
-            <a:r>
-              <a:t>Methods help modularize code and enhance reusability.</a:t>
+              <a:t>void display() {</a:t>
+            </a:r>
+          </a:p>
+          <a:p>
+            <a:r>
+              <a:t>   System.out.println(name);</a:t>
+            </a:r>
+          </a:p>
+          <a:p>
+            <a:r>
+              <a:t>}</a:t>
+            </a:r>
+          </a:p>
+          <a:p>
+            <a:r>
+              <a:t>Methods can accept parameters and return values.</a:t>
             </a:r>
           </a:p>
         </p:txBody>
@@ -4216,7 +4408,7 @@
 </file>
 
 <file path=ppt/slides/slide7.xml><?xml version="1.0" encoding="utf-8"?>
-<p:sld xmlns:a="http://schemas.openxmlformats.org/drawingml/2006/main" xmlns:p="http://schemas.openxmlformats.org/presentationml/2006/main" xmlns:r="http://schemas.openxmlformats.org/officeDocument/2006/relationships">
+<p:sld xmlns:a="http://schemas.openxmlformats.org/drawingml/2006/main" xmlns:r="http://schemas.openxmlformats.org/officeDocument/2006/relationships" xmlns:p="http://schemas.openxmlformats.org/presentationml/2006/main">
   <p:cSld>
     <p:spTree>
       <p:nvGrpSpPr>
@@ -4224,7 +4416,14 @@
         <p:cNvGrpSpPr/>
         <p:nvPr/>
       </p:nvGrpSpPr>
-      <p:grpSpPr/>
+      <p:grpSpPr>
+        <a:xfrm>
+          <a:off x="0" y="0"/>
+          <a:ext cx="0" cy="0"/>
+          <a:chOff x="0" y="0"/>
+          <a:chExt cx="0" cy="0"/>
+        </a:xfrm>
+      </p:grpSpPr>
       <p:sp>
         <p:nvSpPr>
           <p:cNvPr id="2" name="Title 1"/>
@@ -4241,7 +4440,7 @@
           <a:lstStyle/>
           <a:p>
             <a:r>
-              <a:t>Abstraction</a:t>
+              <a:t>Calling Methods</a:t>
             </a:r>
           </a:p>
         </p:txBody>
@@ -4262,17 +4461,27 @@
           <a:lstStyle/>
           <a:p>
             <a:r>
-              <a:t>Abstraction hides internal implementation details.</a:t>
-            </a:r>
-          </a:p>
-          <a:p>
-            <a:r>
-              <a:t>Shows only necessary features.</a:t>
-            </a:r>
-          </a:p>
-          <a:p>
-            <a:r>
-              <a:t>Example: Using a smartphone without knowing its internal circuitry.</a:t>
+              <a:t>To call a method:</a:t>
+            </a:r>
+          </a:p>
+          <a:p>
+            <a:r>
+              <a:t>objectName.methodName();</a:t>
+            </a:r>
+          </a:p>
+          <a:p>
+            <a:r>
+              <a:t>Example:</a:t>
+            </a:r>
+          </a:p>
+          <a:p>
+            <a:r>
+              <a:t>s1.display();</a:t>
+            </a:r>
+          </a:p>
+          <a:p>
+            <a:r>
+              <a:t>Methods help modularize code and enhance reusability.</a:t>
             </a:r>
           </a:p>
         </p:txBody>
@@ -4286,7 +4495,7 @@
 </file>
 
 <file path=ppt/slides/slide8.xml><?xml version="1.0" encoding="utf-8"?>
-<p:sld xmlns:a="http://schemas.openxmlformats.org/drawingml/2006/main" xmlns:p="http://schemas.openxmlformats.org/presentationml/2006/main" xmlns:r="http://schemas.openxmlformats.org/officeDocument/2006/relationships">
+<p:sld xmlns:a="http://schemas.openxmlformats.org/drawingml/2006/main" xmlns:r="http://schemas.openxmlformats.org/officeDocument/2006/relationships" xmlns:p="http://schemas.openxmlformats.org/presentationml/2006/main">
   <p:cSld>
     <p:spTree>
       <p:nvGrpSpPr>
@@ -4294,7 +4503,14 @@
         <p:cNvGrpSpPr/>
         <p:nvPr/>
       </p:nvGrpSpPr>
-      <p:grpSpPr/>
+      <p:grpSpPr>
+        <a:xfrm>
+          <a:off x="0" y="0"/>
+          <a:ext cx="0" cy="0"/>
+          <a:chOff x="0" y="0"/>
+          <a:chExt cx="0" cy="0"/>
+        </a:xfrm>
+      </p:grpSpPr>
       <p:sp>
         <p:nvSpPr>
           <p:cNvPr id="2" name="Title 1"/>
@@ -4311,7 +4527,7 @@
           <a:lstStyle/>
           <a:p>
             <a:r>
-              <a:t>Encapsulation</a:t>
+              <a:t>Abstraction</a:t>
             </a:r>
           </a:p>
         </p:txBody>
@@ -4332,17 +4548,17 @@
           <a:lstStyle/>
           <a:p>
             <a:r>
-              <a:t>Wrapping data and methods together into a single unit (class).</a:t>
-            </a:r>
-          </a:p>
-          <a:p>
-            <a:r>
-              <a:t>Achieved using **private** fields and public getter/setter methods.</a:t>
-            </a:r>
-          </a:p>
-          <a:p>
-            <a:r>
-              <a:t>Ensures data protection and integrity.</a:t>
+              <a:t>Abstraction hides internal implementation details.</a:t>
+            </a:r>
+          </a:p>
+          <a:p>
+            <a:r>
+              <a:t>Shows only necessary features.</a:t>
+            </a:r>
+          </a:p>
+          <a:p>
+            <a:r>
+              <a:t>Example: Using a smartphone without knowing its internal circuitry.</a:t>
             </a:r>
           </a:p>
         </p:txBody>
@@ -4356,7 +4572,7 @@
 </file>
 
 <file path=ppt/slides/slide9.xml><?xml version="1.0" encoding="utf-8"?>
-<p:sld xmlns:a="http://schemas.openxmlformats.org/drawingml/2006/main" xmlns:p="http://schemas.openxmlformats.org/presentationml/2006/main" xmlns:r="http://schemas.openxmlformats.org/officeDocument/2006/relationships">
+<p:sld xmlns:a="http://schemas.openxmlformats.org/drawingml/2006/main" xmlns:r="http://schemas.openxmlformats.org/officeDocument/2006/relationships" xmlns:p="http://schemas.openxmlformats.org/presentationml/2006/main">
   <p:cSld>
     <p:spTree>
       <p:nvGrpSpPr>
@@ -4364,7 +4580,14 @@
         <p:cNvGrpSpPr/>
         <p:nvPr/>
       </p:nvGrpSpPr>
-      <p:grpSpPr/>
+      <p:grpSpPr>
+        <a:xfrm>
+          <a:off x="0" y="0"/>
+          <a:ext cx="0" cy="0"/>
+          <a:chOff x="0" y="0"/>
+          <a:chExt cx="0" cy="0"/>
+        </a:xfrm>
+      </p:grpSpPr>
       <p:sp>
         <p:nvSpPr>
           <p:cNvPr id="2" name="Title 1"/>
@@ -4381,7 +4604,7 @@
           <a:lstStyle/>
           <a:p>
             <a:r>
-              <a:t>Using 'this' Keyword</a:t>
+              <a:t>Encapsulation</a:t>
             </a:r>
           </a:p>
         </p:txBody>
@@ -4402,17 +4625,17 @@
           <a:lstStyle/>
           <a:p>
             <a:r>
-              <a:t>'this' refers to the current object.</a:t>
-            </a:r>
-          </a:p>
-          <a:p>
-            <a:r>
-              <a:t>Used to access instance variables when method parameters shadow field names.</a:t>
-            </a:r>
-          </a:p>
-          <a:p>
-            <a:r>
-              <a:t>Example: this.name=name;</a:t>
+              <a:t>Wrapping data and methods together into a single unit (class).</a:t>
+            </a:r>
+          </a:p>
+          <a:p>
+            <a:r>
+              <a:t>Achieved using **private** fields and public getter/setter methods.</a:t>
+            </a:r>
+          </a:p>
+          <a:p>
+            <a:r>
+              <a:t>Ensures data protection and integrity.</a:t>
             </a:r>
           </a:p>
         </p:txBody>
